--- a/ppt/ROBOMECH2018_講習会_3部.pptx
+++ b/ppt/ROBOMECH2018_講習会_3部.pptx
@@ -9794,7 +9794,7 @@
           <a:graphicData uri="http://schemas.openxmlformats.org/presentationml/2006/ole">
             <mc:AlternateContent xmlns:mc="http://schemas.openxmlformats.org/markup-compatibility/2006">
               <mc:Choice xmlns:v="urn:schemas-microsoft-com:vml" Requires="v">
-                <p:oleObj spid="_x0000_s1175" name="Corel DESIGNER" r:id="rId18" imgW="2743200" imgH="1536480" progId="Corel DESIGNER.Graphic.10">
+                <p:oleObj spid="_x0000_s1177" name="Corel DESIGNER" r:id="rId18" imgW="2743200" imgH="1536480" progId="Corel DESIGNER.Graphic.10">
                   <p:embed/>
                 </p:oleObj>
               </mc:Choice>
@@ -13190,23 +13190,15 @@
                   <a:srgbClr val="5F5F5F"/>
                 </a:solidFill>
               </a:rPr>
-              <a:t>(ROBOMECH2018</a:t>
-            </a:r>
-            <a:r>
-              <a:rPr lang="ja-JP" altLang="en-US" sz="1400" kern="0" dirty="0" err="1">
+              <a:t>(RTM</a:t>
+            </a:r>
+            <a:r>
+              <a:rPr lang="ja-JP" altLang="en-US" sz="1400" kern="0" dirty="0">
                 <a:solidFill>
                   <a:srgbClr val="5F5F5F"/>
                 </a:solidFill>
               </a:rPr>
-              <a:t>、</a:t>
-            </a:r>
-            <a:r>
-              <a:rPr lang="ja-JP" altLang="en-US" sz="1400" kern="0" dirty="0">
-                <a:solidFill>
-                  <a:srgbClr val="5F5F5F"/>
-                </a:solidFill>
-              </a:rPr>
-              <a:t>第</a:t>
+              <a:t>講習会、第</a:t>
             </a:r>
             <a:r>
               <a:rPr lang="en-US" altLang="ja-JP" sz="1400" kern="0" dirty="0">
@@ -13330,10 +13322,10 @@
       </p:sp>
       <p:pic>
         <p:nvPicPr>
-          <p:cNvPr id="3" name="図 2">
+          <p:cNvPr id="2" name="図 1">
             <a:extLst>
               <a:ext uri="{FF2B5EF4-FFF2-40B4-BE49-F238E27FC236}">
-                <a16:creationId xmlns:a16="http://schemas.microsoft.com/office/drawing/2014/main" id="{5C666C64-3698-44AB-92A5-CD5A7C3B88CB}"/>
+                <a16:creationId xmlns:a16="http://schemas.microsoft.com/office/drawing/2014/main" id="{AE5D34F9-3027-443A-818C-8B39BCBFFE11}"/>
               </a:ext>
             </a:extLst>
           </p:cNvPr>
@@ -13350,8 +13342,8 @@
         </p:blipFill>
         <p:spPr>
           <a:xfrm>
-            <a:off x="2231740" y="2618910"/>
-            <a:ext cx="3969103" cy="4131736"/>
+            <a:off x="2186735" y="2618910"/>
+            <a:ext cx="3850582" cy="4157964"/>
           </a:xfrm>
           <a:prstGeom prst="rect">
             <a:avLst/>
